--- a/public/docs/docker.pptx
+++ b/public/docs/docker.pptx
@@ -5,11 +5,13 @@
     <p:sldMasterId id="2147483648" r:id="rId1"/>
   </p:sldMasterIdLst>
   <p:notesMasterIdLst>
-    <p:notesMasterId r:id="rId4"/>
+    <p:notesMasterId r:id="rId6"/>
   </p:notesMasterIdLst>
   <p:sldIdLst>
     <p:sldId id="256" r:id="rId2"/>
     <p:sldId id="257" r:id="rId3"/>
+    <p:sldId id="258" r:id="rId4"/>
+    <p:sldId id="259" r:id="rId5"/>
   </p:sldIdLst>
   <p:sldSz cx="12192000" cy="6858000"/>
   <p:notesSz cx="6858000" cy="9144000"/>
@@ -4262,6 +4264,1049 @@
     <p:extLst>
       <p:ext uri="{BB962C8B-B14F-4D97-AF65-F5344CB8AC3E}">
         <p14:creationId xmlns:p14="http://schemas.microsoft.com/office/powerpoint/2010/main" val="759376871"/>
+      </p:ext>
+    </p:extLst>
+  </p:cSld>
+  <p:clrMapOvr>
+    <a:masterClrMapping/>
+  </p:clrMapOvr>
+</p:sld>
+</file>
+
+<file path=ppt/slides/slide3.xml><?xml version="1.0" encoding="utf-8"?>
+<p:sld xmlns:a="http://schemas.openxmlformats.org/drawingml/2006/main" xmlns:r="http://schemas.openxmlformats.org/officeDocument/2006/relationships" xmlns:p="http://schemas.openxmlformats.org/presentationml/2006/main">
+  <p:cSld>
+    <p:spTree>
+      <p:nvGrpSpPr>
+        <p:cNvPr id="1" name=""/>
+        <p:cNvGrpSpPr/>
+        <p:nvPr/>
+      </p:nvGrpSpPr>
+      <p:grpSpPr>
+        <a:xfrm>
+          <a:off x="0" y="0"/>
+          <a:ext cx="0" cy="0"/>
+          <a:chOff x="0" y="0"/>
+          <a:chExt cx="0" cy="0"/>
+        </a:xfrm>
+      </p:grpSpPr>
+      <p:sp>
+        <p:nvSpPr>
+          <p:cNvPr id="8" name="Rounded Rectangle 7"/>
+          <p:cNvSpPr/>
+          <p:nvPr/>
+        </p:nvSpPr>
+        <p:spPr>
+          <a:xfrm>
+            <a:off x="2143128" y="985837"/>
+            <a:ext cx="8701087" cy="4943475"/>
+          </a:xfrm>
+          <a:prstGeom prst="roundRect">
+            <a:avLst/>
+          </a:prstGeom>
+          <a:solidFill>
+            <a:schemeClr val="accent6">
+              <a:lumMod val="60000"/>
+              <a:lumOff val="40000"/>
+            </a:schemeClr>
+          </a:solidFill>
+        </p:spPr>
+        <p:style>
+          <a:lnRef idx="2">
+            <a:schemeClr val="accent1">
+              <a:shade val="50000"/>
+            </a:schemeClr>
+          </a:lnRef>
+          <a:fillRef idx="1">
+            <a:schemeClr val="accent1"/>
+          </a:fillRef>
+          <a:effectRef idx="0">
+            <a:schemeClr val="accent1"/>
+          </a:effectRef>
+          <a:fontRef idx="minor">
+            <a:schemeClr val="lt1"/>
+          </a:fontRef>
+        </p:style>
+        <p:txBody>
+          <a:bodyPr rtlCol="0" anchor="ctr"/>
+          <a:lstStyle/>
+          <a:p>
+            <a:pPr algn="ctr"/>
+            <a:endParaRPr lang="en-US" dirty="0" smtClean="0"/>
+          </a:p>
+          <a:p>
+            <a:pPr algn="ctr"/>
+            <a:endParaRPr lang="en-US" dirty="0"/>
+          </a:p>
+          <a:p>
+            <a:pPr algn="ctr"/>
+            <a:endParaRPr lang="en-US" dirty="0" smtClean="0"/>
+          </a:p>
+          <a:p>
+            <a:pPr algn="ctr"/>
+            <a:endParaRPr lang="en-US" dirty="0"/>
+          </a:p>
+          <a:p>
+            <a:pPr algn="ctr"/>
+            <a:endParaRPr lang="en-US" dirty="0" smtClean="0"/>
+          </a:p>
+          <a:p>
+            <a:pPr algn="ctr"/>
+            <a:endParaRPr lang="en-US" dirty="0"/>
+          </a:p>
+          <a:p>
+            <a:pPr algn="ctr"/>
+            <a:endParaRPr lang="en-US" dirty="0" smtClean="0"/>
+          </a:p>
+          <a:p>
+            <a:pPr algn="ctr"/>
+            <a:endParaRPr lang="en-US" dirty="0"/>
+          </a:p>
+          <a:p>
+            <a:pPr algn="ctr"/>
+            <a:endParaRPr lang="en-US" dirty="0" smtClean="0"/>
+          </a:p>
+          <a:p>
+            <a:pPr algn="ctr"/>
+            <a:endParaRPr lang="en-US" dirty="0"/>
+          </a:p>
+          <a:p>
+            <a:pPr algn="ctr"/>
+            <a:endParaRPr lang="en-US" dirty="0" smtClean="0"/>
+          </a:p>
+          <a:p>
+            <a:pPr algn="ctr"/>
+            <a:endParaRPr lang="en-US" dirty="0" smtClean="0"/>
+          </a:p>
+          <a:p>
+            <a:pPr algn="ctr"/>
+            <a:endParaRPr lang="en-US" dirty="0"/>
+          </a:p>
+          <a:p>
+            <a:pPr algn="ctr"/>
+            <a:r>
+              <a:rPr lang="en-US" sz="3200" dirty="0" smtClean="0">
+                <a:solidFill>
+                  <a:schemeClr val="bg2">
+                    <a:lumMod val="25000"/>
+                  </a:schemeClr>
+                </a:solidFill>
+              </a:rPr>
+              <a:t>Host Machine</a:t>
+            </a:r>
+            <a:endParaRPr lang="en-US" sz="3200" dirty="0">
+              <a:solidFill>
+                <a:schemeClr val="bg2">
+                  <a:lumMod val="25000"/>
+                </a:schemeClr>
+              </a:solidFill>
+            </a:endParaRPr>
+          </a:p>
+        </p:txBody>
+      </p:sp>
+      <p:sp>
+        <p:nvSpPr>
+          <p:cNvPr id="4" name="Rounded Rectangle 3"/>
+          <p:cNvSpPr/>
+          <p:nvPr/>
+        </p:nvSpPr>
+        <p:spPr>
+          <a:xfrm>
+            <a:off x="6250780" y="1357311"/>
+            <a:ext cx="4200525" cy="3371851"/>
+          </a:xfrm>
+          <a:prstGeom prst="roundRect">
+            <a:avLst/>
+          </a:prstGeom>
+          <a:solidFill>
+            <a:schemeClr val="accent4">
+              <a:lumMod val="60000"/>
+              <a:lumOff val="40000"/>
+            </a:schemeClr>
+          </a:solidFill>
+        </p:spPr>
+        <p:style>
+          <a:lnRef idx="2">
+            <a:schemeClr val="accent1">
+              <a:shade val="50000"/>
+            </a:schemeClr>
+          </a:lnRef>
+          <a:fillRef idx="1">
+            <a:schemeClr val="accent1"/>
+          </a:fillRef>
+          <a:effectRef idx="0">
+            <a:schemeClr val="accent1"/>
+          </a:effectRef>
+          <a:fontRef idx="minor">
+            <a:schemeClr val="lt1"/>
+          </a:fontRef>
+        </p:style>
+        <p:txBody>
+          <a:bodyPr rtlCol="0" anchor="ctr"/>
+          <a:lstStyle/>
+          <a:p>
+            <a:pPr algn="ctr"/>
+            <a:endParaRPr lang="en-US" dirty="0" smtClean="0"/>
+          </a:p>
+          <a:p>
+            <a:pPr algn="ctr"/>
+            <a:endParaRPr lang="en-US" dirty="0"/>
+          </a:p>
+          <a:p>
+            <a:pPr algn="ctr"/>
+            <a:endParaRPr lang="en-US" dirty="0" smtClean="0"/>
+          </a:p>
+          <a:p>
+            <a:pPr algn="ctr"/>
+            <a:endParaRPr lang="en-US" dirty="0"/>
+          </a:p>
+          <a:p>
+            <a:pPr algn="ctr"/>
+            <a:endParaRPr lang="en-US" dirty="0" smtClean="0"/>
+          </a:p>
+          <a:p>
+            <a:pPr algn="ctr"/>
+            <a:endParaRPr lang="en-US" dirty="0"/>
+          </a:p>
+          <a:p>
+            <a:pPr algn="ctr"/>
+            <a:endParaRPr lang="en-US" dirty="0" smtClean="0"/>
+          </a:p>
+          <a:p>
+            <a:pPr algn="ctr"/>
+            <a:r>
+              <a:rPr lang="en-US" sz="2800" dirty="0" smtClean="0">
+                <a:solidFill>
+                  <a:schemeClr val="bg2">
+                    <a:lumMod val="25000"/>
+                  </a:schemeClr>
+                </a:solidFill>
+              </a:rPr>
+              <a:t>Docker Machine</a:t>
+            </a:r>
+            <a:endParaRPr lang="en-US" sz="2800" dirty="0">
+              <a:solidFill>
+                <a:schemeClr val="bg2">
+                  <a:lumMod val="25000"/>
+                </a:schemeClr>
+              </a:solidFill>
+            </a:endParaRPr>
+          </a:p>
+        </p:txBody>
+      </p:sp>
+      <p:sp>
+        <p:nvSpPr>
+          <p:cNvPr id="5" name="Rectangle 4"/>
+          <p:cNvSpPr/>
+          <p:nvPr/>
+        </p:nvSpPr>
+        <p:spPr>
+          <a:xfrm>
+            <a:off x="7565233" y="1785938"/>
+            <a:ext cx="1778791" cy="785809"/>
+          </a:xfrm>
+          <a:prstGeom prst="rect">
+            <a:avLst/>
+          </a:prstGeom>
+          <a:solidFill>
+            <a:schemeClr val="accent5"/>
+          </a:solidFill>
+        </p:spPr>
+        <p:style>
+          <a:lnRef idx="2">
+            <a:schemeClr val="accent1">
+              <a:shade val="50000"/>
+            </a:schemeClr>
+          </a:lnRef>
+          <a:fillRef idx="1">
+            <a:schemeClr val="accent1"/>
+          </a:fillRef>
+          <a:effectRef idx="0">
+            <a:schemeClr val="accent1"/>
+          </a:effectRef>
+          <a:fontRef idx="minor">
+            <a:schemeClr val="lt1"/>
+          </a:fontRef>
+        </p:style>
+        <p:txBody>
+          <a:bodyPr rtlCol="0" anchor="ctr"/>
+          <a:lstStyle/>
+          <a:p>
+            <a:pPr algn="ctr"/>
+            <a:r>
+              <a:rPr lang="en-US" smtClean="0"/>
+              <a:t>Tomcat Container</a:t>
+            </a:r>
+            <a:endParaRPr lang="en-US"/>
+          </a:p>
+        </p:txBody>
+      </p:sp>
+      <p:sp>
+        <p:nvSpPr>
+          <p:cNvPr id="6" name="Rectangle 5"/>
+          <p:cNvSpPr/>
+          <p:nvPr/>
+        </p:nvSpPr>
+        <p:spPr>
+          <a:xfrm>
+            <a:off x="7565228" y="2914651"/>
+            <a:ext cx="1778795" cy="728661"/>
+          </a:xfrm>
+          <a:prstGeom prst="rect">
+            <a:avLst/>
+          </a:prstGeom>
+          <a:solidFill>
+            <a:schemeClr val="accent5"/>
+          </a:solidFill>
+        </p:spPr>
+        <p:style>
+          <a:lnRef idx="2">
+            <a:schemeClr val="accent1">
+              <a:shade val="50000"/>
+            </a:schemeClr>
+          </a:lnRef>
+          <a:fillRef idx="1">
+            <a:schemeClr val="accent1"/>
+          </a:fillRef>
+          <a:effectRef idx="0">
+            <a:schemeClr val="accent1"/>
+          </a:effectRef>
+          <a:fontRef idx="minor">
+            <a:schemeClr val="lt1"/>
+          </a:fontRef>
+        </p:style>
+        <p:txBody>
+          <a:bodyPr rtlCol="0" anchor="ctr"/>
+          <a:lstStyle/>
+          <a:p>
+            <a:pPr algn="ctr"/>
+            <a:r>
+              <a:rPr lang="en-US" dirty="0" err="1" smtClean="0"/>
+              <a:t>Mysql</a:t>
+            </a:r>
+            <a:r>
+              <a:rPr lang="en-US" dirty="0" smtClean="0"/>
+              <a:t> Container</a:t>
+            </a:r>
+            <a:endParaRPr lang="en-US" dirty="0"/>
+          </a:p>
+        </p:txBody>
+      </p:sp>
+      <p:sp>
+        <p:nvSpPr>
+          <p:cNvPr id="9" name="Rectangle 8"/>
+          <p:cNvSpPr/>
+          <p:nvPr/>
+        </p:nvSpPr>
+        <p:spPr>
+          <a:xfrm>
+            <a:off x="2786063" y="1757364"/>
+            <a:ext cx="2064546" cy="871536"/>
+          </a:xfrm>
+          <a:prstGeom prst="rect">
+            <a:avLst/>
+          </a:prstGeom>
+          <a:solidFill>
+            <a:schemeClr val="accent5"/>
+          </a:solidFill>
+        </p:spPr>
+        <p:style>
+          <a:lnRef idx="2">
+            <a:schemeClr val="accent1">
+              <a:shade val="50000"/>
+            </a:schemeClr>
+          </a:lnRef>
+          <a:fillRef idx="1">
+            <a:schemeClr val="accent1"/>
+          </a:fillRef>
+          <a:effectRef idx="0">
+            <a:schemeClr val="accent1"/>
+          </a:effectRef>
+          <a:fontRef idx="minor">
+            <a:schemeClr val="lt1"/>
+          </a:fontRef>
+        </p:style>
+        <p:txBody>
+          <a:bodyPr rtlCol="0" anchor="ctr"/>
+          <a:lstStyle/>
+          <a:p>
+            <a:pPr algn="ctr"/>
+            <a:r>
+              <a:rPr lang="en-US" dirty="0" smtClean="0"/>
+              <a:t>Eclipse</a:t>
+            </a:r>
+          </a:p>
+          <a:p>
+            <a:pPr algn="ctr"/>
+            <a:r>
+              <a:rPr lang="en-US" dirty="0" smtClean="0"/>
+              <a:t>Source Code</a:t>
+            </a:r>
+            <a:endParaRPr lang="en-US" dirty="0"/>
+          </a:p>
+        </p:txBody>
+      </p:sp>
+      <p:cxnSp>
+        <p:nvCxnSpPr>
+          <p:cNvPr id="11" name="Straight Arrow Connector 10"/>
+          <p:cNvCxnSpPr>
+            <a:stCxn id="5" idx="2"/>
+            <a:endCxn id="6" idx="0"/>
+          </p:cNvCxnSpPr>
+          <p:nvPr/>
+        </p:nvCxnSpPr>
+        <p:spPr>
+          <a:xfrm flipH="1">
+            <a:off x="8454626" y="2571747"/>
+            <a:ext cx="3" cy="342904"/>
+          </a:xfrm>
+          <a:prstGeom prst="straightConnector1">
+            <a:avLst/>
+          </a:prstGeom>
+          <a:ln w="25400">
+            <a:tailEnd type="triangle"/>
+          </a:ln>
+        </p:spPr>
+        <p:style>
+          <a:lnRef idx="1">
+            <a:schemeClr val="accent1"/>
+          </a:lnRef>
+          <a:fillRef idx="0">
+            <a:schemeClr val="accent1"/>
+          </a:fillRef>
+          <a:effectRef idx="0">
+            <a:schemeClr val="accent1"/>
+          </a:effectRef>
+          <a:fontRef idx="minor">
+            <a:schemeClr val="tx1"/>
+          </a:fontRef>
+        </p:style>
+      </p:cxnSp>
+      <p:cxnSp>
+        <p:nvCxnSpPr>
+          <p:cNvPr id="13" name="Straight Arrow Connector 12"/>
+          <p:cNvCxnSpPr>
+            <a:stCxn id="9" idx="3"/>
+            <a:endCxn id="5" idx="1"/>
+          </p:cNvCxnSpPr>
+          <p:nvPr/>
+        </p:nvCxnSpPr>
+        <p:spPr>
+          <a:xfrm flipV="1">
+            <a:off x="4850609" y="2178843"/>
+            <a:ext cx="2714624" cy="14289"/>
+          </a:xfrm>
+          <a:prstGeom prst="straightConnector1">
+            <a:avLst/>
+          </a:prstGeom>
+          <a:ln w="25400">
+            <a:tailEnd type="triangle"/>
+          </a:ln>
+        </p:spPr>
+        <p:style>
+          <a:lnRef idx="1">
+            <a:schemeClr val="accent1"/>
+          </a:lnRef>
+          <a:fillRef idx="0">
+            <a:schemeClr val="accent1"/>
+          </a:fillRef>
+          <a:effectRef idx="0">
+            <a:schemeClr val="accent1"/>
+          </a:effectRef>
+          <a:fontRef idx="minor">
+            <a:schemeClr val="tx1"/>
+          </a:fontRef>
+        </p:style>
+      </p:cxnSp>
+      <p:sp>
+        <p:nvSpPr>
+          <p:cNvPr id="21" name="TextBox 20"/>
+          <p:cNvSpPr txBox="1"/>
+          <p:nvPr/>
+        </p:nvSpPr>
+        <p:spPr>
+          <a:xfrm>
+            <a:off x="5257801" y="1788079"/>
+            <a:ext cx="1350171" cy="369332"/>
+          </a:xfrm>
+          <a:prstGeom prst="rect">
+            <a:avLst/>
+          </a:prstGeom>
+          <a:noFill/>
+        </p:spPr>
+        <p:txBody>
+          <a:bodyPr wrap="square" rtlCol="0">
+            <a:spAutoFit/>
+          </a:bodyPr>
+          <a:lstStyle/>
+          <a:p>
+            <a:r>
+              <a:rPr lang="en-US" dirty="0" smtClean="0"/>
+              <a:t>Volume</a:t>
+            </a:r>
+            <a:endParaRPr lang="en-US" dirty="0"/>
+          </a:p>
+        </p:txBody>
+      </p:sp>
+    </p:spTree>
+    <p:extLst>
+      <p:ext uri="{BB962C8B-B14F-4D97-AF65-F5344CB8AC3E}">
+        <p14:creationId xmlns:p14="http://schemas.microsoft.com/office/powerpoint/2010/main" val="2011458152"/>
+      </p:ext>
+    </p:extLst>
+  </p:cSld>
+  <p:clrMapOvr>
+    <a:masterClrMapping/>
+  </p:clrMapOvr>
+</p:sld>
+</file>
+
+<file path=ppt/slides/slide4.xml><?xml version="1.0" encoding="utf-8"?>
+<p:sld xmlns:a="http://schemas.openxmlformats.org/drawingml/2006/main" xmlns:r="http://schemas.openxmlformats.org/officeDocument/2006/relationships" xmlns:p="http://schemas.openxmlformats.org/presentationml/2006/main">
+  <p:cSld>
+    <p:spTree>
+      <p:nvGrpSpPr>
+        <p:cNvPr id="1" name=""/>
+        <p:cNvGrpSpPr/>
+        <p:nvPr/>
+      </p:nvGrpSpPr>
+      <p:grpSpPr>
+        <a:xfrm>
+          <a:off x="0" y="0"/>
+          <a:ext cx="0" cy="0"/>
+          <a:chOff x="0" y="0"/>
+          <a:chExt cx="0" cy="0"/>
+        </a:xfrm>
+      </p:grpSpPr>
+      <p:sp>
+        <p:nvSpPr>
+          <p:cNvPr id="2" name="Rectangle 1"/>
+          <p:cNvSpPr/>
+          <p:nvPr/>
+        </p:nvSpPr>
+        <p:spPr>
+          <a:xfrm>
+            <a:off x="2050262" y="271464"/>
+            <a:ext cx="9286875" cy="5600700"/>
+          </a:xfrm>
+          <a:prstGeom prst="rect">
+            <a:avLst/>
+          </a:prstGeom>
+          <a:solidFill>
+            <a:schemeClr val="accent6">
+              <a:lumMod val="60000"/>
+              <a:lumOff val="40000"/>
+            </a:schemeClr>
+          </a:solidFill>
+        </p:spPr>
+        <p:style>
+          <a:lnRef idx="2">
+            <a:schemeClr val="accent1">
+              <a:shade val="50000"/>
+            </a:schemeClr>
+          </a:lnRef>
+          <a:fillRef idx="1">
+            <a:schemeClr val="accent1"/>
+          </a:fillRef>
+          <a:effectRef idx="0">
+            <a:schemeClr val="accent1"/>
+          </a:effectRef>
+          <a:fontRef idx="minor">
+            <a:schemeClr val="lt1"/>
+          </a:fontRef>
+        </p:style>
+        <p:txBody>
+          <a:bodyPr rtlCol="0" anchor="ctr"/>
+          <a:lstStyle/>
+          <a:p>
+            <a:pPr algn="ctr"/>
+            <a:endParaRPr lang="en-US" sz="3200" dirty="0" smtClean="0">
+              <a:solidFill>
+                <a:schemeClr val="bg2">
+                  <a:lumMod val="25000"/>
+                </a:schemeClr>
+              </a:solidFill>
+            </a:endParaRPr>
+          </a:p>
+          <a:p>
+            <a:pPr algn="ctr"/>
+            <a:endParaRPr lang="en-US" sz="3200" dirty="0">
+              <a:solidFill>
+                <a:schemeClr val="bg2">
+                  <a:lumMod val="25000"/>
+                </a:schemeClr>
+              </a:solidFill>
+            </a:endParaRPr>
+          </a:p>
+          <a:p>
+            <a:pPr algn="ctr"/>
+            <a:endParaRPr lang="en-US" sz="3200" dirty="0" smtClean="0">
+              <a:solidFill>
+                <a:schemeClr val="bg2">
+                  <a:lumMod val="25000"/>
+                </a:schemeClr>
+              </a:solidFill>
+            </a:endParaRPr>
+          </a:p>
+          <a:p>
+            <a:pPr algn="ctr"/>
+            <a:endParaRPr lang="en-US" sz="3200" dirty="0">
+              <a:solidFill>
+                <a:schemeClr val="bg2">
+                  <a:lumMod val="25000"/>
+                </a:schemeClr>
+              </a:solidFill>
+            </a:endParaRPr>
+          </a:p>
+          <a:p>
+            <a:pPr algn="ctr"/>
+            <a:endParaRPr lang="en-US" sz="3200" dirty="0" smtClean="0">
+              <a:solidFill>
+                <a:schemeClr val="bg2">
+                  <a:lumMod val="25000"/>
+                </a:schemeClr>
+              </a:solidFill>
+            </a:endParaRPr>
+          </a:p>
+          <a:p>
+            <a:pPr algn="ctr"/>
+            <a:endParaRPr lang="en-US" sz="3200" dirty="0">
+              <a:solidFill>
+                <a:schemeClr val="bg2">
+                  <a:lumMod val="25000"/>
+                </a:schemeClr>
+              </a:solidFill>
+            </a:endParaRPr>
+          </a:p>
+          <a:p>
+            <a:pPr algn="ctr"/>
+            <a:endParaRPr lang="en-US" sz="3200" dirty="0" smtClean="0">
+              <a:solidFill>
+                <a:schemeClr val="bg2">
+                  <a:lumMod val="25000"/>
+                </a:schemeClr>
+              </a:solidFill>
+            </a:endParaRPr>
+          </a:p>
+          <a:p>
+            <a:pPr algn="ctr"/>
+            <a:endParaRPr lang="en-US" sz="3200" dirty="0" smtClean="0">
+              <a:solidFill>
+                <a:schemeClr val="bg2">
+                  <a:lumMod val="25000"/>
+                </a:schemeClr>
+              </a:solidFill>
+            </a:endParaRPr>
+          </a:p>
+          <a:p>
+            <a:pPr algn="ctr"/>
+            <a:endParaRPr lang="en-US" sz="3200" dirty="0" smtClean="0">
+              <a:solidFill>
+                <a:schemeClr val="bg2">
+                  <a:lumMod val="25000"/>
+                </a:schemeClr>
+              </a:solidFill>
+            </a:endParaRPr>
+          </a:p>
+          <a:p>
+            <a:pPr algn="ctr"/>
+            <a:r>
+              <a:rPr lang="en-US" sz="3200" smtClean="0">
+                <a:solidFill>
+                  <a:schemeClr val="bg2">
+                    <a:lumMod val="25000"/>
+                  </a:schemeClr>
+                </a:solidFill>
+              </a:rPr>
+              <a:t>Host Machine (</a:t>
+            </a:r>
+            <a:r>
+              <a:rPr lang="en-US" sz="3200" dirty="0" smtClean="0">
+                <a:solidFill>
+                  <a:schemeClr val="bg2">
+                    <a:lumMod val="25000"/>
+                  </a:schemeClr>
+                </a:solidFill>
+              </a:rPr>
+              <a:t>Mac)</a:t>
+            </a:r>
+            <a:endParaRPr lang="en-US" sz="3200" dirty="0">
+              <a:solidFill>
+                <a:schemeClr val="bg2">
+                  <a:lumMod val="25000"/>
+                </a:schemeClr>
+              </a:solidFill>
+            </a:endParaRPr>
+          </a:p>
+        </p:txBody>
+      </p:sp>
+      <p:sp>
+        <p:nvSpPr>
+          <p:cNvPr id="10" name="Rectangle 9"/>
+          <p:cNvSpPr/>
+          <p:nvPr/>
+        </p:nvSpPr>
+        <p:spPr>
+          <a:xfrm>
+            <a:off x="6796089" y="1214435"/>
+            <a:ext cx="3462336" cy="3500440"/>
+          </a:xfrm>
+          <a:prstGeom prst="rect">
+            <a:avLst/>
+          </a:prstGeom>
+          <a:solidFill>
+            <a:schemeClr val="accent4">
+              <a:lumMod val="60000"/>
+              <a:lumOff val="40000"/>
+            </a:schemeClr>
+          </a:solidFill>
+        </p:spPr>
+        <p:style>
+          <a:lnRef idx="2">
+            <a:schemeClr val="accent1">
+              <a:shade val="50000"/>
+            </a:schemeClr>
+          </a:lnRef>
+          <a:fillRef idx="1">
+            <a:schemeClr val="accent1"/>
+          </a:fillRef>
+          <a:effectRef idx="0">
+            <a:schemeClr val="accent1"/>
+          </a:effectRef>
+          <a:fontRef idx="minor">
+            <a:schemeClr val="lt1"/>
+          </a:fontRef>
+        </p:style>
+        <p:txBody>
+          <a:bodyPr rtlCol="0" anchor="ctr"/>
+          <a:lstStyle/>
+          <a:p>
+            <a:pPr algn="ctr"/>
+            <a:endParaRPr lang="en-US" sz="2800" dirty="0" smtClean="0"/>
+          </a:p>
+          <a:p>
+            <a:pPr algn="ctr"/>
+            <a:endParaRPr lang="en-US" sz="2800" dirty="0" smtClean="0"/>
+          </a:p>
+          <a:p>
+            <a:pPr algn="ctr"/>
+            <a:endParaRPr lang="en-US" sz="2800" dirty="0"/>
+          </a:p>
+          <a:p>
+            <a:pPr algn="ctr"/>
+            <a:endParaRPr lang="en-US" sz="2800" dirty="0" smtClean="0"/>
+          </a:p>
+          <a:p>
+            <a:pPr algn="ctr"/>
+            <a:endParaRPr lang="en-US" sz="2800" dirty="0"/>
+          </a:p>
+          <a:p>
+            <a:pPr algn="ctr"/>
+            <a:endParaRPr lang="en-US" sz="2800" dirty="0" smtClean="0"/>
+          </a:p>
+          <a:p>
+            <a:pPr algn="ctr"/>
+            <a:r>
+              <a:rPr lang="en-US" sz="2800" dirty="0" smtClean="0">
+                <a:solidFill>
+                  <a:schemeClr val="bg2">
+                    <a:lumMod val="25000"/>
+                  </a:schemeClr>
+                </a:solidFill>
+              </a:rPr>
+              <a:t>Docker Machine</a:t>
+            </a:r>
+            <a:endParaRPr lang="en-US" sz="2800" dirty="0">
+              <a:solidFill>
+                <a:schemeClr val="bg2">
+                  <a:lumMod val="25000"/>
+                </a:schemeClr>
+              </a:solidFill>
+            </a:endParaRPr>
+          </a:p>
+        </p:txBody>
+      </p:sp>
+      <p:sp>
+        <p:nvSpPr>
+          <p:cNvPr id="21" name="TextBox 20"/>
+          <p:cNvSpPr txBox="1"/>
+          <p:nvPr/>
+        </p:nvSpPr>
+        <p:spPr>
+          <a:xfrm>
+            <a:off x="5343529" y="1716639"/>
+            <a:ext cx="1350171" cy="369332"/>
+          </a:xfrm>
+          <a:prstGeom prst="rect">
+            <a:avLst/>
+          </a:prstGeom>
+          <a:noFill/>
+        </p:spPr>
+        <p:txBody>
+          <a:bodyPr wrap="square" rtlCol="0">
+            <a:spAutoFit/>
+          </a:bodyPr>
+          <a:lstStyle/>
+          <a:p>
+            <a:r>
+              <a:rPr lang="en-US" dirty="0" smtClean="0"/>
+              <a:t>Volume</a:t>
+            </a:r>
+            <a:endParaRPr lang="en-US" dirty="0"/>
+          </a:p>
+        </p:txBody>
+      </p:sp>
+      <p:sp>
+        <p:nvSpPr>
+          <p:cNvPr id="3" name="Rounded Rectangle 2"/>
+          <p:cNvSpPr/>
+          <p:nvPr/>
+        </p:nvSpPr>
+        <p:spPr>
+          <a:xfrm>
+            <a:off x="2736053" y="1629844"/>
+            <a:ext cx="1864521" cy="885825"/>
+          </a:xfrm>
+          <a:prstGeom prst="roundRect">
+            <a:avLst/>
+          </a:prstGeom>
+          <a:solidFill>
+            <a:schemeClr val="accent5"/>
+          </a:solidFill>
+        </p:spPr>
+        <p:style>
+          <a:lnRef idx="2">
+            <a:schemeClr val="accent1">
+              <a:shade val="50000"/>
+            </a:schemeClr>
+          </a:lnRef>
+          <a:fillRef idx="1">
+            <a:schemeClr val="accent1"/>
+          </a:fillRef>
+          <a:effectRef idx="0">
+            <a:schemeClr val="accent1"/>
+          </a:effectRef>
+          <a:fontRef idx="minor">
+            <a:schemeClr val="lt1"/>
+          </a:fontRef>
+        </p:style>
+        <p:txBody>
+          <a:bodyPr rtlCol="0" anchor="ctr"/>
+          <a:lstStyle/>
+          <a:p>
+            <a:pPr algn="ctr"/>
+            <a:r>
+              <a:rPr lang="en-US" dirty="0" smtClean="0"/>
+              <a:t>Eclipse &amp; Source Code Files</a:t>
+            </a:r>
+            <a:endParaRPr lang="en-US" dirty="0"/>
+          </a:p>
+        </p:txBody>
+      </p:sp>
+      <p:sp>
+        <p:nvSpPr>
+          <p:cNvPr id="14" name="Rounded Rectangle 13"/>
+          <p:cNvSpPr/>
+          <p:nvPr/>
+        </p:nvSpPr>
+        <p:spPr>
+          <a:xfrm>
+            <a:off x="7677158" y="1628770"/>
+            <a:ext cx="1864521" cy="885825"/>
+          </a:xfrm>
+          <a:prstGeom prst="roundRect">
+            <a:avLst/>
+          </a:prstGeom>
+          <a:solidFill>
+            <a:schemeClr val="accent5"/>
+          </a:solidFill>
+        </p:spPr>
+        <p:style>
+          <a:lnRef idx="2">
+            <a:schemeClr val="accent1">
+              <a:shade val="50000"/>
+            </a:schemeClr>
+          </a:lnRef>
+          <a:fillRef idx="1">
+            <a:schemeClr val="accent1"/>
+          </a:fillRef>
+          <a:effectRef idx="0">
+            <a:schemeClr val="accent1"/>
+          </a:effectRef>
+          <a:fontRef idx="minor">
+            <a:schemeClr val="lt1"/>
+          </a:fontRef>
+        </p:style>
+        <p:txBody>
+          <a:bodyPr rtlCol="0" anchor="ctr"/>
+          <a:lstStyle/>
+          <a:p>
+            <a:pPr algn="ctr"/>
+            <a:r>
+              <a:rPr lang="en-US" smtClean="0"/>
+              <a:t>Tomcat Container</a:t>
+            </a:r>
+            <a:endParaRPr lang="en-US" dirty="0"/>
+          </a:p>
+        </p:txBody>
+      </p:sp>
+      <p:sp>
+        <p:nvSpPr>
+          <p:cNvPr id="15" name="Rounded Rectangle 14"/>
+          <p:cNvSpPr/>
+          <p:nvPr/>
+        </p:nvSpPr>
+        <p:spPr>
+          <a:xfrm>
+            <a:off x="7677153" y="2914651"/>
+            <a:ext cx="1864521" cy="885825"/>
+          </a:xfrm>
+          <a:prstGeom prst="roundRect">
+            <a:avLst/>
+          </a:prstGeom>
+          <a:solidFill>
+            <a:schemeClr val="accent5"/>
+          </a:solidFill>
+        </p:spPr>
+        <p:style>
+          <a:lnRef idx="2">
+            <a:schemeClr val="accent1">
+              <a:shade val="50000"/>
+            </a:schemeClr>
+          </a:lnRef>
+          <a:fillRef idx="1">
+            <a:schemeClr val="accent1"/>
+          </a:fillRef>
+          <a:effectRef idx="0">
+            <a:schemeClr val="accent1"/>
+          </a:effectRef>
+          <a:fontRef idx="minor">
+            <a:schemeClr val="lt1"/>
+          </a:fontRef>
+        </p:style>
+        <p:txBody>
+          <a:bodyPr rtlCol="0" anchor="ctr"/>
+          <a:lstStyle/>
+          <a:p>
+            <a:pPr algn="ctr"/>
+            <a:r>
+              <a:rPr lang="en-US" dirty="0" err="1" smtClean="0"/>
+              <a:t>Mysql</a:t>
+            </a:r>
+            <a:r>
+              <a:rPr lang="en-US" dirty="0" smtClean="0"/>
+              <a:t> Container</a:t>
+            </a:r>
+            <a:endParaRPr lang="en-US" dirty="0"/>
+          </a:p>
+        </p:txBody>
+      </p:sp>
+      <p:cxnSp>
+        <p:nvCxnSpPr>
+          <p:cNvPr id="13" name="Straight Arrow Connector 12"/>
+          <p:cNvCxnSpPr>
+            <a:stCxn id="3" idx="3"/>
+            <a:endCxn id="14" idx="1"/>
+          </p:cNvCxnSpPr>
+          <p:nvPr/>
+        </p:nvCxnSpPr>
+        <p:spPr>
+          <a:xfrm flipV="1">
+            <a:off x="4600574" y="2071683"/>
+            <a:ext cx="3076584" cy="1074"/>
+          </a:xfrm>
+          <a:prstGeom prst="straightConnector1">
+            <a:avLst/>
+          </a:prstGeom>
+          <a:ln w="25400">
+            <a:tailEnd type="triangle"/>
+          </a:ln>
+        </p:spPr>
+        <p:style>
+          <a:lnRef idx="1">
+            <a:schemeClr val="accent1"/>
+          </a:lnRef>
+          <a:fillRef idx="0">
+            <a:schemeClr val="accent1"/>
+          </a:fillRef>
+          <a:effectRef idx="0">
+            <a:schemeClr val="accent1"/>
+          </a:effectRef>
+          <a:fontRef idx="minor">
+            <a:schemeClr val="tx1"/>
+          </a:fontRef>
+        </p:style>
+      </p:cxnSp>
+      <p:cxnSp>
+        <p:nvCxnSpPr>
+          <p:cNvPr id="11" name="Straight Arrow Connector 10"/>
+          <p:cNvCxnSpPr>
+            <a:stCxn id="14" idx="2"/>
+            <a:endCxn id="15" idx="0"/>
+          </p:cNvCxnSpPr>
+          <p:nvPr/>
+        </p:nvCxnSpPr>
+        <p:spPr>
+          <a:xfrm flipH="1">
+            <a:off x="8609414" y="2514595"/>
+            <a:ext cx="5" cy="400056"/>
+          </a:xfrm>
+          <a:prstGeom prst="straightConnector1">
+            <a:avLst/>
+          </a:prstGeom>
+          <a:ln w="25400">
+            <a:tailEnd type="triangle"/>
+          </a:ln>
+        </p:spPr>
+        <p:style>
+          <a:lnRef idx="1">
+            <a:schemeClr val="accent1"/>
+          </a:lnRef>
+          <a:fillRef idx="0">
+            <a:schemeClr val="accent1"/>
+          </a:fillRef>
+          <a:effectRef idx="0">
+            <a:schemeClr val="accent1"/>
+          </a:effectRef>
+          <a:fontRef idx="minor">
+            <a:schemeClr val="tx1"/>
+          </a:fontRef>
+        </p:style>
+      </p:cxnSp>
+      <p:sp>
+        <p:nvSpPr>
+          <p:cNvPr id="19" name="TextBox 18"/>
+          <p:cNvSpPr txBox="1"/>
+          <p:nvPr/>
+        </p:nvSpPr>
+        <p:spPr>
+          <a:xfrm>
+            <a:off x="3714750" y="413080"/>
+            <a:ext cx="6300788" cy="523220"/>
+          </a:xfrm>
+          <a:prstGeom prst="rect">
+            <a:avLst/>
+          </a:prstGeom>
+          <a:noFill/>
+        </p:spPr>
+        <p:txBody>
+          <a:bodyPr wrap="square" rtlCol="0">
+            <a:spAutoFit/>
+          </a:bodyPr>
+          <a:lstStyle/>
+          <a:p>
+            <a:r>
+              <a:rPr lang="en-US" sz="2800" b="1" smtClean="0"/>
+              <a:t>Development Environment with Docker</a:t>
+            </a:r>
+            <a:endParaRPr lang="en-US" sz="2800" b="1"/>
+          </a:p>
+        </p:txBody>
+      </p:sp>
+    </p:spTree>
+    <p:extLst>
+      <p:ext uri="{BB962C8B-B14F-4D97-AF65-F5344CB8AC3E}">
+        <p14:creationId xmlns:p14="http://schemas.microsoft.com/office/powerpoint/2010/main" val="1055233614"/>
       </p:ext>
     </p:extLst>
   </p:cSld>

--- a/public/docs/docker.pptx
+++ b/public/docs/docker.pptx
@@ -10,8 +10,8 @@
   <p:sldIdLst>
     <p:sldId id="256" r:id="rId2"/>
     <p:sldId id="257" r:id="rId3"/>
-    <p:sldId id="258" r:id="rId4"/>
-    <p:sldId id="259" r:id="rId5"/>
+    <p:sldId id="259" r:id="rId4"/>
+    <p:sldId id="260" r:id="rId5"/>
   </p:sldIdLst>
   <p:sldSz cx="12192000" cy="6858000"/>
   <p:notesSz cx="6858000" cy="9144000"/>
@@ -3710,6 +3710,13 @@
   <p:clrMapOvr>
     <a:masterClrMapping/>
   </p:clrMapOvr>
+  <p:timing>
+    <p:tnLst>
+      <p:par>
+        <p:cTn id="1" dur="indefinite" restart="never" nodeType="tmRoot"/>
+      </p:par>
+    </p:tnLst>
+  </p:timing>
 </p:sld>
 </file>
 
@@ -4270,6 +4277,13 @@
   <p:clrMapOvr>
     <a:masterClrMapping/>
   </p:clrMapOvr>
+  <p:timing>
+    <p:tnLst>
+      <p:par>
+        <p:cTn id="1" dur="indefinite" restart="never" nodeType="tmRoot"/>
+      </p:par>
+    </p:tnLst>
+  </p:timing>
 </p:sld>
 </file>
 
@@ -4292,16 +4306,16 @@
       </p:grpSpPr>
       <p:sp>
         <p:nvSpPr>
-          <p:cNvPr id="8" name="Rounded Rectangle 7"/>
+          <p:cNvPr id="2" name="Rectangle 1"/>
           <p:cNvSpPr/>
           <p:nvPr/>
         </p:nvSpPr>
         <p:spPr>
           <a:xfrm>
-            <a:off x="2143128" y="985837"/>
-            <a:ext cx="8701087" cy="4943475"/>
-          </a:xfrm>
-          <a:prstGeom prst="roundRect">
+            <a:off x="2050262" y="271464"/>
+            <a:ext cx="9286875" cy="5600700"/>
+          </a:xfrm>
+          <a:prstGeom prst="rect">
             <a:avLst/>
           </a:prstGeom>
           <a:solidFill>
@@ -4332,55 +4346,93 @@
           <a:lstStyle/>
           <a:p>
             <a:pPr algn="ctr"/>
-            <a:endParaRPr lang="en-US" dirty="0" smtClean="0"/>
+            <a:endParaRPr lang="en-US" sz="3200" dirty="0" smtClean="0">
+              <a:solidFill>
+                <a:schemeClr val="bg2">
+                  <a:lumMod val="25000"/>
+                </a:schemeClr>
+              </a:solidFill>
+            </a:endParaRPr>
           </a:p>
           <a:p>
             <a:pPr algn="ctr"/>
-            <a:endParaRPr lang="en-US" dirty="0"/>
+            <a:endParaRPr lang="en-US" sz="3200" dirty="0">
+              <a:solidFill>
+                <a:schemeClr val="bg2">
+                  <a:lumMod val="25000"/>
+                </a:schemeClr>
+              </a:solidFill>
+            </a:endParaRPr>
           </a:p>
           <a:p>
             <a:pPr algn="ctr"/>
-            <a:endParaRPr lang="en-US" dirty="0" smtClean="0"/>
+            <a:endParaRPr lang="en-US" sz="3200" dirty="0" smtClean="0">
+              <a:solidFill>
+                <a:schemeClr val="bg2">
+                  <a:lumMod val="25000"/>
+                </a:schemeClr>
+              </a:solidFill>
+            </a:endParaRPr>
           </a:p>
           <a:p>
             <a:pPr algn="ctr"/>
-            <a:endParaRPr lang="en-US" dirty="0"/>
+            <a:endParaRPr lang="en-US" sz="3200" dirty="0">
+              <a:solidFill>
+                <a:schemeClr val="bg2">
+                  <a:lumMod val="25000"/>
+                </a:schemeClr>
+              </a:solidFill>
+            </a:endParaRPr>
           </a:p>
           <a:p>
             <a:pPr algn="ctr"/>
-            <a:endParaRPr lang="en-US" dirty="0" smtClean="0"/>
+            <a:endParaRPr lang="en-US" sz="3200" dirty="0" smtClean="0">
+              <a:solidFill>
+                <a:schemeClr val="bg2">
+                  <a:lumMod val="25000"/>
+                </a:schemeClr>
+              </a:solidFill>
+            </a:endParaRPr>
           </a:p>
           <a:p>
             <a:pPr algn="ctr"/>
-            <a:endParaRPr lang="en-US" dirty="0"/>
+            <a:endParaRPr lang="en-US" sz="3200" dirty="0">
+              <a:solidFill>
+                <a:schemeClr val="bg2">
+                  <a:lumMod val="25000"/>
+                </a:schemeClr>
+              </a:solidFill>
+            </a:endParaRPr>
           </a:p>
           <a:p>
             <a:pPr algn="ctr"/>
-            <a:endParaRPr lang="en-US" dirty="0" smtClean="0"/>
+            <a:endParaRPr lang="en-US" sz="3200" dirty="0" smtClean="0">
+              <a:solidFill>
+                <a:schemeClr val="bg2">
+                  <a:lumMod val="25000"/>
+                </a:schemeClr>
+              </a:solidFill>
+            </a:endParaRPr>
           </a:p>
           <a:p>
             <a:pPr algn="ctr"/>
-            <a:endParaRPr lang="en-US" dirty="0"/>
+            <a:endParaRPr lang="en-US" sz="3200" dirty="0" smtClean="0">
+              <a:solidFill>
+                <a:schemeClr val="bg2">
+                  <a:lumMod val="25000"/>
+                </a:schemeClr>
+              </a:solidFill>
+            </a:endParaRPr>
           </a:p>
           <a:p>
             <a:pPr algn="ctr"/>
-            <a:endParaRPr lang="en-US" dirty="0" smtClean="0"/>
-          </a:p>
-          <a:p>
-            <a:pPr algn="ctr"/>
-            <a:endParaRPr lang="en-US" dirty="0"/>
-          </a:p>
-          <a:p>
-            <a:pPr algn="ctr"/>
-            <a:endParaRPr lang="en-US" dirty="0" smtClean="0"/>
-          </a:p>
-          <a:p>
-            <a:pPr algn="ctr"/>
-            <a:endParaRPr lang="en-US" dirty="0" smtClean="0"/>
-          </a:p>
-          <a:p>
-            <a:pPr algn="ctr"/>
-            <a:endParaRPr lang="en-US" dirty="0"/>
+            <a:endParaRPr lang="en-US" sz="3200" dirty="0" smtClean="0">
+              <a:solidFill>
+                <a:schemeClr val="bg2">
+                  <a:lumMod val="25000"/>
+                </a:schemeClr>
+              </a:solidFill>
+            </a:endParaRPr>
           </a:p>
           <a:p>
             <a:pPr algn="ctr"/>
@@ -4392,7 +4444,7 @@
                   </a:schemeClr>
                 </a:solidFill>
               </a:rPr>
-              <a:t>Host Machine</a:t>
+              <a:t>Host Machine (Mac)</a:t>
             </a:r>
             <a:endParaRPr lang="en-US" sz="3200" dirty="0">
               <a:solidFill>
@@ -4406,16 +4458,16 @@
       </p:sp>
       <p:sp>
         <p:nvSpPr>
-          <p:cNvPr id="4" name="Rounded Rectangle 3"/>
+          <p:cNvPr id="10" name="Rectangle 9"/>
           <p:cNvSpPr/>
           <p:nvPr/>
         </p:nvSpPr>
         <p:spPr>
           <a:xfrm>
-            <a:off x="6250780" y="1357311"/>
-            <a:ext cx="4200525" cy="3371851"/>
-          </a:xfrm>
-          <a:prstGeom prst="roundRect">
+            <a:off x="6796089" y="1214435"/>
+            <a:ext cx="3462336" cy="3500440"/>
+          </a:xfrm>
+          <a:prstGeom prst="rect">
             <a:avLst/>
           </a:prstGeom>
           <a:solidFill>
@@ -4446,31 +4498,27 @@
           <a:lstStyle/>
           <a:p>
             <a:pPr algn="ctr"/>
-            <a:endParaRPr lang="en-US" dirty="0" smtClean="0"/>
+            <a:endParaRPr lang="en-US" sz="2800" dirty="0" smtClean="0"/>
           </a:p>
           <a:p>
             <a:pPr algn="ctr"/>
-            <a:endParaRPr lang="en-US" dirty="0"/>
+            <a:endParaRPr lang="en-US" sz="2800" dirty="0" smtClean="0"/>
           </a:p>
           <a:p>
             <a:pPr algn="ctr"/>
-            <a:endParaRPr lang="en-US" dirty="0" smtClean="0"/>
+            <a:endParaRPr lang="en-US" sz="2800" dirty="0"/>
           </a:p>
           <a:p>
             <a:pPr algn="ctr"/>
-            <a:endParaRPr lang="en-US" dirty="0"/>
+            <a:endParaRPr lang="en-US" sz="2800" dirty="0" smtClean="0"/>
           </a:p>
           <a:p>
             <a:pPr algn="ctr"/>
-            <a:endParaRPr lang="en-US" dirty="0" smtClean="0"/>
+            <a:endParaRPr lang="en-US" sz="2800" dirty="0"/>
           </a:p>
           <a:p>
             <a:pPr algn="ctr"/>
-            <a:endParaRPr lang="en-US" dirty="0"/>
-          </a:p>
-          <a:p>
-            <a:pPr algn="ctr"/>
-            <a:endParaRPr lang="en-US" dirty="0" smtClean="0"/>
+            <a:endParaRPr lang="en-US" sz="2800" dirty="0" smtClean="0"/>
           </a:p>
           <a:p>
             <a:pPr algn="ctr"/>
@@ -4496,16 +4544,46 @@
       </p:sp>
       <p:sp>
         <p:nvSpPr>
-          <p:cNvPr id="5" name="Rectangle 4"/>
+          <p:cNvPr id="21" name="TextBox 20"/>
+          <p:cNvSpPr txBox="1"/>
+          <p:nvPr/>
+        </p:nvSpPr>
+        <p:spPr>
+          <a:xfrm>
+            <a:off x="5343529" y="1716639"/>
+            <a:ext cx="1350171" cy="369332"/>
+          </a:xfrm>
+          <a:prstGeom prst="rect">
+            <a:avLst/>
+          </a:prstGeom>
+          <a:noFill/>
+        </p:spPr>
+        <p:txBody>
+          <a:bodyPr wrap="square" rtlCol="0">
+            <a:spAutoFit/>
+          </a:bodyPr>
+          <a:lstStyle/>
+          <a:p>
+            <a:r>
+              <a:rPr lang="en-US" dirty="0" smtClean="0"/>
+              <a:t>Volume</a:t>
+            </a:r>
+            <a:endParaRPr lang="en-US" dirty="0"/>
+          </a:p>
+        </p:txBody>
+      </p:sp>
+      <p:sp>
+        <p:nvSpPr>
+          <p:cNvPr id="3" name="Rounded Rectangle 2"/>
           <p:cNvSpPr/>
           <p:nvPr/>
         </p:nvSpPr>
         <p:spPr>
           <a:xfrm>
-            <a:off x="7565233" y="1785938"/>
-            <a:ext cx="1778791" cy="785809"/>
-          </a:xfrm>
-          <a:prstGeom prst="rect">
+            <a:off x="2736053" y="1629844"/>
+            <a:ext cx="1864521" cy="885825"/>
+          </a:xfrm>
+          <a:prstGeom prst="roundRect">
             <a:avLst/>
           </a:prstGeom>
           <a:solidFill>
@@ -4534,25 +4612,25 @@
           <a:p>
             <a:pPr algn="ctr"/>
             <a:r>
-              <a:rPr lang="en-US" smtClean="0"/>
-              <a:t>Tomcat Container</a:t>
-            </a:r>
-            <a:endParaRPr lang="en-US"/>
-          </a:p>
-        </p:txBody>
-      </p:sp>
-      <p:sp>
-        <p:nvSpPr>
-          <p:cNvPr id="6" name="Rectangle 5"/>
+              <a:rPr lang="en-US" dirty="0" smtClean="0"/>
+              <a:t>Eclipse &amp; Source Code Files</a:t>
+            </a:r>
+            <a:endParaRPr lang="en-US" dirty="0"/>
+          </a:p>
+        </p:txBody>
+      </p:sp>
+      <p:sp>
+        <p:nvSpPr>
+          <p:cNvPr id="14" name="Rounded Rectangle 13"/>
           <p:cNvSpPr/>
           <p:nvPr/>
         </p:nvSpPr>
         <p:spPr>
           <a:xfrm>
-            <a:off x="7565228" y="2914651"/>
-            <a:ext cx="1778795" cy="728661"/>
-          </a:xfrm>
-          <a:prstGeom prst="rect">
+            <a:off x="7677158" y="1628770"/>
+            <a:ext cx="1864521" cy="885825"/>
+          </a:xfrm>
+          <a:prstGeom prst="roundRect">
             <a:avLst/>
           </a:prstGeom>
           <a:solidFill>
@@ -4581,12 +4659,8 @@
           <a:p>
             <a:pPr algn="ctr"/>
             <a:r>
-              <a:rPr lang="en-US" dirty="0" err="1" smtClean="0"/>
-              <a:t>Mysql</a:t>
-            </a:r>
-            <a:r>
-              <a:rPr lang="en-US" dirty="0" smtClean="0"/>
-              <a:t> Container</a:t>
+              <a:rPr lang="en-US" smtClean="0"/>
+              <a:t>Tomcat Container</a:t>
             </a:r>
             <a:endParaRPr lang="en-US" dirty="0"/>
           </a:p>
@@ -4594,16 +4668,16 @@
       </p:sp>
       <p:sp>
         <p:nvSpPr>
-          <p:cNvPr id="9" name="Rectangle 8"/>
+          <p:cNvPr id="15" name="Rounded Rectangle 14"/>
           <p:cNvSpPr/>
           <p:nvPr/>
         </p:nvSpPr>
         <p:spPr>
           <a:xfrm>
-            <a:off x="2786063" y="1757364"/>
-            <a:ext cx="2064546" cy="871536"/>
-          </a:xfrm>
-          <a:prstGeom prst="rect">
+            <a:off x="7677153" y="2914651"/>
+            <a:ext cx="1864521" cy="885825"/>
+          </a:xfrm>
+          <a:prstGeom prst="roundRect">
             <a:avLst/>
           </a:prstGeom>
           <a:solidFill>
@@ -4632,15 +4706,12 @@
           <a:p>
             <a:pPr algn="ctr"/>
             <a:r>
+              <a:rPr lang="en-US" dirty="0" err="1" smtClean="0"/>
+              <a:t>Mysql</a:t>
+            </a:r>
+            <a:r>
               <a:rPr lang="en-US" dirty="0" smtClean="0"/>
-              <a:t>Eclipse</a:t>
-            </a:r>
-          </a:p>
-          <a:p>
-            <a:pPr algn="ctr"/>
-            <a:r>
-              <a:rPr lang="en-US" dirty="0" smtClean="0"/>
-              <a:t>Source Code</a:t>
+              <a:t> Container</a:t>
             </a:r>
             <a:endParaRPr lang="en-US" dirty="0"/>
           </a:p>
@@ -4648,17 +4719,17 @@
       </p:sp>
       <p:cxnSp>
         <p:nvCxnSpPr>
-          <p:cNvPr id="11" name="Straight Arrow Connector 10"/>
+          <p:cNvPr id="13" name="Straight Arrow Connector 12"/>
           <p:cNvCxnSpPr>
-            <a:stCxn id="5" idx="2"/>
-            <a:endCxn id="6" idx="0"/>
+            <a:stCxn id="3" idx="3"/>
+            <a:endCxn id="14" idx="1"/>
           </p:cNvCxnSpPr>
           <p:nvPr/>
         </p:nvCxnSpPr>
         <p:spPr>
-          <a:xfrm flipH="1">
-            <a:off x="8454626" y="2571747"/>
-            <a:ext cx="3" cy="342904"/>
+          <a:xfrm flipV="1">
+            <a:off x="4600574" y="2071683"/>
+            <a:ext cx="3076584" cy="1074"/>
           </a:xfrm>
           <a:prstGeom prst="straightConnector1">
             <a:avLst/>
@@ -4684,17 +4755,17 @@
       </p:cxnSp>
       <p:cxnSp>
         <p:nvCxnSpPr>
-          <p:cNvPr id="13" name="Straight Arrow Connector 12"/>
+          <p:cNvPr id="11" name="Straight Arrow Connector 10"/>
           <p:cNvCxnSpPr>
-            <a:stCxn id="9" idx="3"/>
-            <a:endCxn id="5" idx="1"/>
+            <a:stCxn id="14" idx="2"/>
+            <a:endCxn id="15" idx="0"/>
           </p:cNvCxnSpPr>
           <p:nvPr/>
         </p:nvCxnSpPr>
         <p:spPr>
-          <a:xfrm flipV="1">
-            <a:off x="4850609" y="2178843"/>
-            <a:ext cx="2714624" cy="14289"/>
+          <a:xfrm flipH="1">
+            <a:off x="8609414" y="2514595"/>
+            <a:ext cx="5" cy="400056"/>
           </a:xfrm>
           <a:prstGeom prst="straightConnector1">
             <a:avLst/>
@@ -4720,14 +4791,14 @@
       </p:cxnSp>
       <p:sp>
         <p:nvSpPr>
-          <p:cNvPr id="21" name="TextBox 20"/>
+          <p:cNvPr id="19" name="TextBox 18"/>
           <p:cNvSpPr txBox="1"/>
           <p:nvPr/>
         </p:nvSpPr>
         <p:spPr>
           <a:xfrm>
-            <a:off x="5257801" y="1788079"/>
-            <a:ext cx="1350171" cy="369332"/>
+            <a:off x="3714750" y="413080"/>
+            <a:ext cx="6300788" cy="523220"/>
           </a:xfrm>
           <a:prstGeom prst="rect">
             <a:avLst/>
@@ -4741,23 +4812,30 @@
           <a:lstStyle/>
           <a:p>
             <a:r>
-              <a:rPr lang="en-US" dirty="0" smtClean="0"/>
-              <a:t>Volume</a:t>
-            </a:r>
-            <a:endParaRPr lang="en-US" dirty="0"/>
+              <a:rPr lang="en-US" sz="2800" b="1" smtClean="0"/>
+              <a:t>Development Environment with Docker</a:t>
+            </a:r>
+            <a:endParaRPr lang="en-US" sz="2800" b="1"/>
           </a:p>
         </p:txBody>
       </p:sp>
     </p:spTree>
     <p:extLst>
       <p:ext uri="{BB962C8B-B14F-4D97-AF65-F5344CB8AC3E}">
-        <p14:creationId xmlns:p14="http://schemas.microsoft.com/office/powerpoint/2010/main" val="2011458152"/>
+        <p14:creationId xmlns:p14="http://schemas.microsoft.com/office/powerpoint/2010/main" val="1055233614"/>
       </p:ext>
     </p:extLst>
   </p:cSld>
   <p:clrMapOvr>
     <a:masterClrMapping/>
   </p:clrMapOvr>
+  <p:timing>
+    <p:tnLst>
+      <p:par>
+        <p:cTn id="1" dur="indefinite" restart="never" nodeType="tmRoot"/>
+      </p:par>
+    </p:tnLst>
+  </p:timing>
 </p:sld>
 </file>
 
@@ -4786,7 +4864,7 @@
         </p:nvSpPr>
         <p:spPr>
           <a:xfrm>
-            <a:off x="2050262" y="271464"/>
+            <a:off x="2050262" y="300039"/>
             <a:ext cx="9286875" cy="5600700"/>
           </a:xfrm>
           <a:prstGeom prst="rect">
@@ -4911,16 +4989,6 @@
           <a:p>
             <a:pPr algn="ctr"/>
             <a:r>
-              <a:rPr lang="en-US" sz="3200" smtClean="0">
-                <a:solidFill>
-                  <a:schemeClr val="bg2">
-                    <a:lumMod val="25000"/>
-                  </a:schemeClr>
-                </a:solidFill>
-              </a:rPr>
-              <a:t>Host Machine (</a:t>
-            </a:r>
-            <a:r>
               <a:rPr lang="en-US" sz="3200" dirty="0" smtClean="0">
                 <a:solidFill>
                   <a:schemeClr val="bg2">
@@ -4928,7 +4996,7 @@
                   </a:schemeClr>
                 </a:solidFill>
               </a:rPr>
-              <a:t>Mac)</a:t>
+              <a:t>Host Machine (Mac)</a:t>
             </a:r>
             <a:endParaRPr lang="en-US" sz="3200" dirty="0">
               <a:solidFill>
@@ -5281,8 +5349,8 @@
         </p:nvSpPr>
         <p:spPr>
           <a:xfrm>
-            <a:off x="3714750" y="413080"/>
-            <a:ext cx="6300788" cy="523220"/>
+            <a:off x="3929058" y="412609"/>
+            <a:ext cx="6229349" cy="523220"/>
           </a:xfrm>
           <a:prstGeom prst="rect">
             <a:avLst/>
@@ -5297,22 +5365,33 @@
           <a:p>
             <a:r>
               <a:rPr lang="en-US" sz="2800" b="1" smtClean="0"/>
-              <a:t>Development Environment with Docker</a:t>
-            </a:r>
-            <a:endParaRPr lang="en-US" sz="2800" b="1"/>
+              <a:t>Ways of Creating </a:t>
+            </a:r>
+            <a:r>
+              <a:rPr lang="en-US" sz="2800" b="1" dirty="0" smtClean="0"/>
+              <a:t>Docker Containers</a:t>
+            </a:r>
+            <a:endParaRPr lang="en-US" sz="2800" b="1" dirty="0"/>
           </a:p>
         </p:txBody>
       </p:sp>
     </p:spTree>
     <p:extLst>
       <p:ext uri="{BB962C8B-B14F-4D97-AF65-F5344CB8AC3E}">
-        <p14:creationId xmlns:p14="http://schemas.microsoft.com/office/powerpoint/2010/main" val="1055233614"/>
+        <p14:creationId xmlns:p14="http://schemas.microsoft.com/office/powerpoint/2010/main" val="835055510"/>
       </p:ext>
     </p:extLst>
   </p:cSld>
   <p:clrMapOvr>
     <a:masterClrMapping/>
   </p:clrMapOvr>
+  <p:timing>
+    <p:tnLst>
+      <p:par>
+        <p:cTn id="1" dur="indefinite" restart="never" nodeType="tmRoot"/>
+      </p:par>
+    </p:tnLst>
+  </p:timing>
 </p:sld>
 </file>
 

--- a/public/docs/docker.pptx
+++ b/public/docs/docker.pptx
@@ -110,6 +110,11 @@
       </a:defRPr>
     </a:lvl9pPr>
   </p:defaultTextStyle>
+  <p:extLst>
+    <p:ext uri="{EFAFB233-063F-42B5-8137-9DF3F51BA10A}">
+      <p15:sldGuideLst xmlns:p15="http://schemas.microsoft.com/office/powerpoint/2012/main"/>
+    </p:ext>
+  </p:extLst>
 </p:presentation>
 </file>
 
@@ -195,7 +200,7 @@
           <a:p>
             <a:fld id="{39B3FEB6-0CC1-F344-9586-33434AEF5506}" type="datetimeFigureOut">
               <a:rPr lang="en-US" smtClean="0"/>
-              <a:t>9/3/17</a:t>
+              <a:t>10/30/17</a:t>
             </a:fld>
             <a:endParaRPr lang="en-US"/>
           </a:p>
@@ -594,7 +599,7 @@
           <a:p>
             <a:fld id="{7A2021CC-B1D7-1B44-BEF6-AE419F31FFC5}" type="datetimeFigureOut">
               <a:rPr lang="en-US" smtClean="0"/>
-              <a:t>9/3/17</a:t>
+              <a:t>10/30/17</a:t>
             </a:fld>
             <a:endParaRPr lang="en-US"/>
           </a:p>
@@ -764,7 +769,7 @@
           <a:p>
             <a:fld id="{7A2021CC-B1D7-1B44-BEF6-AE419F31FFC5}" type="datetimeFigureOut">
               <a:rPr lang="en-US" smtClean="0"/>
-              <a:t>9/3/17</a:t>
+              <a:t>10/30/17</a:t>
             </a:fld>
             <a:endParaRPr lang="en-US"/>
           </a:p>
@@ -944,7 +949,7 @@
           <a:p>
             <a:fld id="{7A2021CC-B1D7-1B44-BEF6-AE419F31FFC5}" type="datetimeFigureOut">
               <a:rPr lang="en-US" smtClean="0"/>
-              <a:t>9/3/17</a:t>
+              <a:t>10/30/17</a:t>
             </a:fld>
             <a:endParaRPr lang="en-US"/>
           </a:p>
@@ -1114,7 +1119,7 @@
           <a:p>
             <a:fld id="{7A2021CC-B1D7-1B44-BEF6-AE419F31FFC5}" type="datetimeFigureOut">
               <a:rPr lang="en-US" smtClean="0"/>
-              <a:t>9/3/17</a:t>
+              <a:t>10/30/17</a:t>
             </a:fld>
             <a:endParaRPr lang="en-US"/>
           </a:p>
@@ -1360,7 +1365,7 @@
           <a:p>
             <a:fld id="{7A2021CC-B1D7-1B44-BEF6-AE419F31FFC5}" type="datetimeFigureOut">
               <a:rPr lang="en-US" smtClean="0"/>
-              <a:t>9/3/17</a:t>
+              <a:t>10/30/17</a:t>
             </a:fld>
             <a:endParaRPr lang="en-US"/>
           </a:p>
@@ -1592,7 +1597,7 @@
           <a:p>
             <a:fld id="{7A2021CC-B1D7-1B44-BEF6-AE419F31FFC5}" type="datetimeFigureOut">
               <a:rPr lang="en-US" smtClean="0"/>
-              <a:t>9/3/17</a:t>
+              <a:t>10/30/17</a:t>
             </a:fld>
             <a:endParaRPr lang="en-US"/>
           </a:p>
@@ -1959,7 +1964,7 @@
           <a:p>
             <a:fld id="{7A2021CC-B1D7-1B44-BEF6-AE419F31FFC5}" type="datetimeFigureOut">
               <a:rPr lang="en-US" smtClean="0"/>
-              <a:t>9/3/17</a:t>
+              <a:t>10/30/17</a:t>
             </a:fld>
             <a:endParaRPr lang="en-US"/>
           </a:p>
@@ -2077,7 +2082,7 @@
           <a:p>
             <a:fld id="{7A2021CC-B1D7-1B44-BEF6-AE419F31FFC5}" type="datetimeFigureOut">
               <a:rPr lang="en-US" smtClean="0"/>
-              <a:t>9/3/17</a:t>
+              <a:t>10/30/17</a:t>
             </a:fld>
             <a:endParaRPr lang="en-US"/>
           </a:p>
@@ -2172,7 +2177,7 @@
           <a:p>
             <a:fld id="{7A2021CC-B1D7-1B44-BEF6-AE419F31FFC5}" type="datetimeFigureOut">
               <a:rPr lang="en-US" smtClean="0"/>
-              <a:t>9/3/17</a:t>
+              <a:t>10/30/17</a:t>
             </a:fld>
             <a:endParaRPr lang="en-US"/>
           </a:p>
@@ -2449,7 +2454,7 @@
           <a:p>
             <a:fld id="{7A2021CC-B1D7-1B44-BEF6-AE419F31FFC5}" type="datetimeFigureOut">
               <a:rPr lang="en-US" smtClean="0"/>
-              <a:t>9/3/17</a:t>
+              <a:t>10/30/17</a:t>
             </a:fld>
             <a:endParaRPr lang="en-US"/>
           </a:p>
@@ -2702,7 +2707,7 @@
           <a:p>
             <a:fld id="{7A2021CC-B1D7-1B44-BEF6-AE419F31FFC5}" type="datetimeFigureOut">
               <a:rPr lang="en-US" smtClean="0"/>
-              <a:t>9/3/17</a:t>
+              <a:t>10/30/17</a:t>
             </a:fld>
             <a:endParaRPr lang="en-US"/>
           </a:p>
@@ -2915,7 +2920,7 @@
           <a:p>
             <a:fld id="{7A2021CC-B1D7-1B44-BEF6-AE419F31FFC5}" type="datetimeFigureOut">
               <a:rPr lang="en-US" smtClean="0"/>
-              <a:t>9/3/17</a:t>
+              <a:t>10/30/17</a:t>
             </a:fld>
             <a:endParaRPr lang="en-US"/>
           </a:p>
@@ -3777,12 +3782,8 @@
           <a:p>
             <a:pPr algn="ctr"/>
             <a:r>
-              <a:rPr lang="en-US" dirty="0" err="1" smtClean="0"/>
-              <a:t>VirtualBox</a:t>
-            </a:r>
-            <a:r>
               <a:rPr lang="en-US" dirty="0" smtClean="0"/>
-              <a:t> VM</a:t>
+              <a:t>VirtualBox VM</a:t>
             </a:r>
             <a:endParaRPr lang="en-US" dirty="0"/>
           </a:p>
@@ -4172,15 +4173,7 @@
             <a:pPr algn="ctr"/>
             <a:r>
               <a:rPr lang="en-US" dirty="0" smtClean="0"/>
-              <a:t>Docker </a:t>
-            </a:r>
-            <a:r>
-              <a:rPr lang="en-US" dirty="0" err="1" smtClean="0"/>
-              <a:t>QuickStart</a:t>
-            </a:r>
-            <a:r>
-              <a:rPr lang="en-US" dirty="0" smtClean="0"/>
-              <a:t> Terminal</a:t>
+              <a:t>Docker QuickStart Terminal</a:t>
             </a:r>
             <a:endParaRPr lang="en-US" dirty="0"/>
           </a:p>

--- a/public/docs/docker.pptx
+++ b/public/docs/docker.pptx
@@ -200,7 +200,7 @@
           <a:p>
             <a:fld id="{39B3FEB6-0CC1-F344-9586-33434AEF5506}" type="datetimeFigureOut">
               <a:rPr lang="en-US" smtClean="0"/>
-              <a:t>10/30/17</a:t>
+              <a:t>11/2/17</a:t>
             </a:fld>
             <a:endParaRPr lang="en-US"/>
           </a:p>
@@ -599,7 +599,7 @@
           <a:p>
             <a:fld id="{7A2021CC-B1D7-1B44-BEF6-AE419F31FFC5}" type="datetimeFigureOut">
               <a:rPr lang="en-US" smtClean="0"/>
-              <a:t>10/30/17</a:t>
+              <a:t>11/2/17</a:t>
             </a:fld>
             <a:endParaRPr lang="en-US"/>
           </a:p>
@@ -769,7 +769,7 @@
           <a:p>
             <a:fld id="{7A2021CC-B1D7-1B44-BEF6-AE419F31FFC5}" type="datetimeFigureOut">
               <a:rPr lang="en-US" smtClean="0"/>
-              <a:t>10/30/17</a:t>
+              <a:t>11/2/17</a:t>
             </a:fld>
             <a:endParaRPr lang="en-US"/>
           </a:p>
@@ -949,7 +949,7 @@
           <a:p>
             <a:fld id="{7A2021CC-B1D7-1B44-BEF6-AE419F31FFC5}" type="datetimeFigureOut">
               <a:rPr lang="en-US" smtClean="0"/>
-              <a:t>10/30/17</a:t>
+              <a:t>11/2/17</a:t>
             </a:fld>
             <a:endParaRPr lang="en-US"/>
           </a:p>
@@ -1119,7 +1119,7 @@
           <a:p>
             <a:fld id="{7A2021CC-B1D7-1B44-BEF6-AE419F31FFC5}" type="datetimeFigureOut">
               <a:rPr lang="en-US" smtClean="0"/>
-              <a:t>10/30/17</a:t>
+              <a:t>11/2/17</a:t>
             </a:fld>
             <a:endParaRPr lang="en-US"/>
           </a:p>
@@ -1365,7 +1365,7 @@
           <a:p>
             <a:fld id="{7A2021CC-B1D7-1B44-BEF6-AE419F31FFC5}" type="datetimeFigureOut">
               <a:rPr lang="en-US" smtClean="0"/>
-              <a:t>10/30/17</a:t>
+              <a:t>11/2/17</a:t>
             </a:fld>
             <a:endParaRPr lang="en-US"/>
           </a:p>
@@ -1597,7 +1597,7 @@
           <a:p>
             <a:fld id="{7A2021CC-B1D7-1B44-BEF6-AE419F31FFC5}" type="datetimeFigureOut">
               <a:rPr lang="en-US" smtClean="0"/>
-              <a:t>10/30/17</a:t>
+              <a:t>11/2/17</a:t>
             </a:fld>
             <a:endParaRPr lang="en-US"/>
           </a:p>
@@ -1964,7 +1964,7 @@
           <a:p>
             <a:fld id="{7A2021CC-B1D7-1B44-BEF6-AE419F31FFC5}" type="datetimeFigureOut">
               <a:rPr lang="en-US" smtClean="0"/>
-              <a:t>10/30/17</a:t>
+              <a:t>11/2/17</a:t>
             </a:fld>
             <a:endParaRPr lang="en-US"/>
           </a:p>
@@ -2082,7 +2082,7 @@
           <a:p>
             <a:fld id="{7A2021CC-B1D7-1B44-BEF6-AE419F31FFC5}" type="datetimeFigureOut">
               <a:rPr lang="en-US" smtClean="0"/>
-              <a:t>10/30/17</a:t>
+              <a:t>11/2/17</a:t>
             </a:fld>
             <a:endParaRPr lang="en-US"/>
           </a:p>
@@ -2177,7 +2177,7 @@
           <a:p>
             <a:fld id="{7A2021CC-B1D7-1B44-BEF6-AE419F31FFC5}" type="datetimeFigureOut">
               <a:rPr lang="en-US" smtClean="0"/>
-              <a:t>10/30/17</a:t>
+              <a:t>11/2/17</a:t>
             </a:fld>
             <a:endParaRPr lang="en-US"/>
           </a:p>
@@ -2454,7 +2454,7 @@
           <a:p>
             <a:fld id="{7A2021CC-B1D7-1B44-BEF6-AE419F31FFC5}" type="datetimeFigureOut">
               <a:rPr lang="en-US" smtClean="0"/>
-              <a:t>10/30/17</a:t>
+              <a:t>11/2/17</a:t>
             </a:fld>
             <a:endParaRPr lang="en-US"/>
           </a:p>
@@ -2707,7 +2707,7 @@
           <a:p>
             <a:fld id="{7A2021CC-B1D7-1B44-BEF6-AE419F31FFC5}" type="datetimeFigureOut">
               <a:rPr lang="en-US" smtClean="0"/>
-              <a:t>10/30/17</a:t>
+              <a:t>11/2/17</a:t>
             </a:fld>
             <a:endParaRPr lang="en-US"/>
           </a:p>
@@ -2920,7 +2920,7 @@
           <a:p>
             <a:fld id="{7A2021CC-B1D7-1B44-BEF6-AE419F31FFC5}" type="datetimeFigureOut">
               <a:rPr lang="en-US" smtClean="0"/>
-              <a:t>10/30/17</a:t>
+              <a:t>11/2/17</a:t>
             </a:fld>
             <a:endParaRPr lang="en-US"/>
           </a:p>
@@ -4432,18 +4432,14 @@
             <a:r>
               <a:rPr lang="en-US" sz="3200" dirty="0" smtClean="0">
                 <a:solidFill>
-                  <a:schemeClr val="bg2">
-                    <a:lumMod val="25000"/>
-                  </a:schemeClr>
+                  <a:schemeClr val="tx1"/>
                 </a:solidFill>
               </a:rPr>
               <a:t>Host Machine (Mac)</a:t>
             </a:r>
             <a:endParaRPr lang="en-US" sz="3200" dirty="0">
               <a:solidFill>
-                <a:schemeClr val="bg2">
-                  <a:lumMod val="25000"/>
-                </a:schemeClr>
+                <a:schemeClr val="tx1"/>
               </a:solidFill>
             </a:endParaRPr>
           </a:p>
@@ -4699,12 +4695,12 @@
           <a:p>
             <a:pPr algn="ctr"/>
             <a:r>
-              <a:rPr lang="en-US" dirty="0" err="1" smtClean="0"/>
-              <a:t>Mysql</a:t>
-            </a:r>
-            <a:r>
               <a:rPr lang="en-US" dirty="0" smtClean="0"/>
-              <a:t> Container</a:t>
+              <a:t>MySQL </a:t>
+            </a:r>
+            <a:r>
+              <a:rPr lang="en-US" dirty="0" smtClean="0"/>
+              <a:t>Container</a:t>
             </a:r>
             <a:endParaRPr lang="en-US" dirty="0"/>
           </a:p>
@@ -4805,10 +4801,10 @@
           <a:lstStyle/>
           <a:p>
             <a:r>
-              <a:rPr lang="en-US" sz="2800" b="1" smtClean="0"/>
+              <a:rPr lang="en-US" sz="2800" b="1" dirty="0" smtClean="0"/>
               <a:t>Development Environment with Docker</a:t>
             </a:r>
-            <a:endParaRPr lang="en-US" sz="2800" b="1"/>
+            <a:endParaRPr lang="en-US" sz="2800" b="1" dirty="0"/>
           </a:p>
         </p:txBody>
       </p:sp>
@@ -5251,12 +5247,8 @@
           <a:p>
             <a:pPr algn="ctr"/>
             <a:r>
-              <a:rPr lang="en-US" dirty="0" err="1" smtClean="0"/>
-              <a:t>Mysql</a:t>
-            </a:r>
-            <a:r>
               <a:rPr lang="en-US" dirty="0" smtClean="0"/>
-              <a:t> Container</a:t>
+              <a:t>Mysql Container</a:t>
             </a:r>
             <a:endParaRPr lang="en-US" dirty="0"/>
           </a:p>
